--- a/Thesis/Figures/polished/FF_designs2.pptx
+++ b/Thesis/Figures/polished/FF_designs2.pptx
@@ -2,12 +2,12 @@
 <file path=ppt/presentation.xml><?xml version="1.0" encoding="utf-8"?>
 <p:presentation xmlns:a="http://schemas.openxmlformats.org/drawingml/2006/main" xmlns:r="http://schemas.openxmlformats.org/officeDocument/2006/relationships" xmlns:p="http://schemas.openxmlformats.org/presentationml/2006/main" saveSubsetFonts="1">
   <p:sldMasterIdLst>
-    <p:sldMasterId id="2147483708" r:id="rId1"/>
+    <p:sldMasterId id="2147483720" r:id="rId1"/>
   </p:sldMasterIdLst>
   <p:sldIdLst>
     <p:sldId id="256" r:id="rId2"/>
   </p:sldIdLst>
-  <p:sldSz cx="9720263" cy="11520488"/>
+  <p:sldSz cx="9720263" cy="12599988"/>
   <p:notesSz cx="6858000" cy="9144000"/>
   <p:defaultTextStyle>
     <a:defPPr>
@@ -141,8 +141,8 @@
         </p:nvSpPr>
         <p:spPr>
           <a:xfrm>
-            <a:off x="729020" y="1885414"/>
-            <a:ext cx="8262224" cy="4010837"/>
+            <a:off x="729020" y="2062083"/>
+            <a:ext cx="8262224" cy="4386662"/>
           </a:xfrm>
         </p:spPr>
         <p:txBody>
@@ -173,8 +173,8 @@
         </p:nvSpPr>
         <p:spPr>
           <a:xfrm>
-            <a:off x="1215033" y="6050924"/>
-            <a:ext cx="7290197" cy="2781450"/>
+            <a:off x="1215033" y="6617911"/>
+            <a:ext cx="7290197" cy="3042080"/>
           </a:xfrm>
         </p:spPr>
         <p:txBody>
@@ -243,7 +243,7 @@
           <a:p>
             <a:fld id="{AAA0856C-38E8-4016-B72A-17CC42158732}" type="datetimeFigureOut">
               <a:rPr lang="en-AU" smtClean="0"/>
-              <a:t>17/09/2018</a:t>
+              <a:t>27/09/2018</a:t>
             </a:fld>
             <a:endParaRPr lang="en-AU"/>
           </a:p>
@@ -294,7 +294,7 @@
     </p:spTree>
     <p:extLst>
       <p:ext uri="{BB962C8B-B14F-4D97-AF65-F5344CB8AC3E}">
-        <p14:creationId xmlns:p14="http://schemas.microsoft.com/office/powerpoint/2010/main" val="3319588469"/>
+        <p14:creationId xmlns:p14="http://schemas.microsoft.com/office/powerpoint/2010/main" val="3616889788"/>
       </p:ext>
     </p:extLst>
   </p:cSld>
@@ -413,7 +413,7 @@
           <a:p>
             <a:fld id="{AAA0856C-38E8-4016-B72A-17CC42158732}" type="datetimeFigureOut">
               <a:rPr lang="en-AU" smtClean="0"/>
-              <a:t>17/09/2018</a:t>
+              <a:t>27/09/2018</a:t>
             </a:fld>
             <a:endParaRPr lang="en-AU"/>
           </a:p>
@@ -464,7 +464,7 @@
     </p:spTree>
     <p:extLst>
       <p:ext uri="{BB962C8B-B14F-4D97-AF65-F5344CB8AC3E}">
-        <p14:creationId xmlns:p14="http://schemas.microsoft.com/office/powerpoint/2010/main" val="2382850742"/>
+        <p14:creationId xmlns:p14="http://schemas.microsoft.com/office/powerpoint/2010/main" val="3468235284"/>
       </p:ext>
     </p:extLst>
   </p:cSld>
@@ -503,8 +503,8 @@
         </p:nvSpPr>
         <p:spPr>
           <a:xfrm>
-            <a:off x="6956064" y="613359"/>
-            <a:ext cx="2095932" cy="9763081"/>
+            <a:off x="6956064" y="670833"/>
+            <a:ext cx="2095932" cy="10677907"/>
           </a:xfrm>
         </p:spPr>
         <p:txBody>
@@ -531,8 +531,8 @@
         </p:nvSpPr>
         <p:spPr>
           <a:xfrm>
-            <a:off x="668269" y="613359"/>
-            <a:ext cx="6166292" cy="9763081"/>
+            <a:off x="668269" y="670833"/>
+            <a:ext cx="6166292" cy="10677907"/>
           </a:xfrm>
         </p:spPr>
         <p:txBody>
@@ -593,7 +593,7 @@
           <a:p>
             <a:fld id="{AAA0856C-38E8-4016-B72A-17CC42158732}" type="datetimeFigureOut">
               <a:rPr lang="en-AU" smtClean="0"/>
-              <a:t>17/09/2018</a:t>
+              <a:t>27/09/2018</a:t>
             </a:fld>
             <a:endParaRPr lang="en-AU"/>
           </a:p>
@@ -644,7 +644,7 @@
     </p:spTree>
     <p:extLst>
       <p:ext uri="{BB962C8B-B14F-4D97-AF65-F5344CB8AC3E}">
-        <p14:creationId xmlns:p14="http://schemas.microsoft.com/office/powerpoint/2010/main" val="18918076"/>
+        <p14:creationId xmlns:p14="http://schemas.microsoft.com/office/powerpoint/2010/main" val="4258070312"/>
       </p:ext>
     </p:extLst>
   </p:cSld>
@@ -763,7 +763,7 @@
           <a:p>
             <a:fld id="{AAA0856C-38E8-4016-B72A-17CC42158732}" type="datetimeFigureOut">
               <a:rPr lang="en-AU" smtClean="0"/>
-              <a:t>17/09/2018</a:t>
+              <a:t>27/09/2018</a:t>
             </a:fld>
             <a:endParaRPr lang="en-AU"/>
           </a:p>
@@ -814,7 +814,7 @@
     </p:spTree>
     <p:extLst>
       <p:ext uri="{BB962C8B-B14F-4D97-AF65-F5344CB8AC3E}">
-        <p14:creationId xmlns:p14="http://schemas.microsoft.com/office/powerpoint/2010/main" val="3379949465"/>
+        <p14:creationId xmlns:p14="http://schemas.microsoft.com/office/powerpoint/2010/main" val="523052947"/>
       </p:ext>
     </p:extLst>
   </p:cSld>
@@ -853,8 +853,8 @@
         </p:nvSpPr>
         <p:spPr>
           <a:xfrm>
-            <a:off x="663206" y="2872125"/>
-            <a:ext cx="8383727" cy="4792202"/>
+            <a:off x="663206" y="3141251"/>
+            <a:ext cx="8383727" cy="5241244"/>
           </a:xfrm>
         </p:spPr>
         <p:txBody>
@@ -885,8 +885,8 @@
         </p:nvSpPr>
         <p:spPr>
           <a:xfrm>
-            <a:off x="663206" y="7709663"/>
-            <a:ext cx="8383727" cy="2520106"/>
+            <a:off x="663206" y="8432079"/>
+            <a:ext cx="8383727" cy="2756246"/>
           </a:xfrm>
         </p:spPr>
         <p:txBody>
@@ -1007,7 +1007,7 @@
           <a:p>
             <a:fld id="{AAA0856C-38E8-4016-B72A-17CC42158732}" type="datetimeFigureOut">
               <a:rPr lang="en-AU" smtClean="0"/>
-              <a:t>17/09/2018</a:t>
+              <a:t>27/09/2018</a:t>
             </a:fld>
             <a:endParaRPr lang="en-AU"/>
           </a:p>
@@ -1058,7 +1058,7 @@
     </p:spTree>
     <p:extLst>
       <p:ext uri="{BB962C8B-B14F-4D97-AF65-F5344CB8AC3E}">
-        <p14:creationId xmlns:p14="http://schemas.microsoft.com/office/powerpoint/2010/main" val="4153350201"/>
+        <p14:creationId xmlns:p14="http://schemas.microsoft.com/office/powerpoint/2010/main" val="1250707225"/>
       </p:ext>
     </p:extLst>
   </p:cSld>
@@ -1120,8 +1120,8 @@
         </p:nvSpPr>
         <p:spPr>
           <a:xfrm>
-            <a:off x="668268" y="3066796"/>
-            <a:ext cx="4131112" cy="7309644"/>
+            <a:off x="668268" y="3354163"/>
+            <a:ext cx="4131112" cy="7994577"/>
           </a:xfrm>
         </p:spPr>
         <p:txBody>
@@ -1177,8 +1177,8 @@
         </p:nvSpPr>
         <p:spPr>
           <a:xfrm>
-            <a:off x="4920883" y="3066796"/>
-            <a:ext cx="4131112" cy="7309644"/>
+            <a:off x="4920883" y="3354163"/>
+            <a:ext cx="4131112" cy="7994577"/>
           </a:xfrm>
         </p:spPr>
         <p:txBody>
@@ -1239,7 +1239,7 @@
           <a:p>
             <a:fld id="{AAA0856C-38E8-4016-B72A-17CC42158732}" type="datetimeFigureOut">
               <a:rPr lang="en-AU" smtClean="0"/>
-              <a:t>17/09/2018</a:t>
+              <a:t>27/09/2018</a:t>
             </a:fld>
             <a:endParaRPr lang="en-AU"/>
           </a:p>
@@ -1290,7 +1290,7 @@
     </p:spTree>
     <p:extLst>
       <p:ext uri="{BB962C8B-B14F-4D97-AF65-F5344CB8AC3E}">
-        <p14:creationId xmlns:p14="http://schemas.microsoft.com/office/powerpoint/2010/main" val="3016079404"/>
+        <p14:creationId xmlns:p14="http://schemas.microsoft.com/office/powerpoint/2010/main" val="2443729852"/>
       </p:ext>
     </p:extLst>
   </p:cSld>
@@ -1329,8 +1329,8 @@
         </p:nvSpPr>
         <p:spPr>
           <a:xfrm>
-            <a:off x="669534" y="613362"/>
-            <a:ext cx="8383727" cy="2226762"/>
+            <a:off x="669534" y="670836"/>
+            <a:ext cx="8383727" cy="2435415"/>
           </a:xfrm>
         </p:spPr>
         <p:txBody>
@@ -1357,8 +1357,8 @@
         </p:nvSpPr>
         <p:spPr>
           <a:xfrm>
-            <a:off x="669535" y="2824120"/>
-            <a:ext cx="4112126" cy="1384058"/>
+            <a:off x="669535" y="3088748"/>
+            <a:ext cx="4112126" cy="1513748"/>
           </a:xfrm>
         </p:spPr>
         <p:txBody>
@@ -1422,8 +1422,8 @@
         </p:nvSpPr>
         <p:spPr>
           <a:xfrm>
-            <a:off x="669535" y="4208178"/>
-            <a:ext cx="4112126" cy="6189596"/>
+            <a:off x="669535" y="4602496"/>
+            <a:ext cx="4112126" cy="6769578"/>
           </a:xfrm>
         </p:spPr>
         <p:txBody>
@@ -1479,8 +1479,8 @@
         </p:nvSpPr>
         <p:spPr>
           <a:xfrm>
-            <a:off x="4920884" y="2824120"/>
-            <a:ext cx="4132378" cy="1384058"/>
+            <a:off x="4920884" y="3088748"/>
+            <a:ext cx="4132378" cy="1513748"/>
           </a:xfrm>
         </p:spPr>
         <p:txBody>
@@ -1544,8 +1544,8 @@
         </p:nvSpPr>
         <p:spPr>
           <a:xfrm>
-            <a:off x="4920884" y="4208178"/>
-            <a:ext cx="4132378" cy="6189596"/>
+            <a:off x="4920884" y="4602496"/>
+            <a:ext cx="4132378" cy="6769578"/>
           </a:xfrm>
         </p:spPr>
         <p:txBody>
@@ -1606,7 +1606,7 @@
           <a:p>
             <a:fld id="{AAA0856C-38E8-4016-B72A-17CC42158732}" type="datetimeFigureOut">
               <a:rPr lang="en-AU" smtClean="0"/>
-              <a:t>17/09/2018</a:t>
+              <a:t>27/09/2018</a:t>
             </a:fld>
             <a:endParaRPr lang="en-AU"/>
           </a:p>
@@ -1657,7 +1657,7 @@
     </p:spTree>
     <p:extLst>
       <p:ext uri="{BB962C8B-B14F-4D97-AF65-F5344CB8AC3E}">
-        <p14:creationId xmlns:p14="http://schemas.microsoft.com/office/powerpoint/2010/main" val="3220882775"/>
+        <p14:creationId xmlns:p14="http://schemas.microsoft.com/office/powerpoint/2010/main" val="62176278"/>
       </p:ext>
     </p:extLst>
   </p:cSld>
@@ -1724,7 +1724,7 @@
           <a:p>
             <a:fld id="{AAA0856C-38E8-4016-B72A-17CC42158732}" type="datetimeFigureOut">
               <a:rPr lang="en-AU" smtClean="0"/>
-              <a:t>17/09/2018</a:t>
+              <a:t>27/09/2018</a:t>
             </a:fld>
             <a:endParaRPr lang="en-AU"/>
           </a:p>
@@ -1775,7 +1775,7 @@
     </p:spTree>
     <p:extLst>
       <p:ext uri="{BB962C8B-B14F-4D97-AF65-F5344CB8AC3E}">
-        <p14:creationId xmlns:p14="http://schemas.microsoft.com/office/powerpoint/2010/main" val="2430968969"/>
+        <p14:creationId xmlns:p14="http://schemas.microsoft.com/office/powerpoint/2010/main" val="1359281396"/>
       </p:ext>
     </p:extLst>
   </p:cSld>
@@ -1819,7 +1819,7 @@
           <a:p>
             <a:fld id="{AAA0856C-38E8-4016-B72A-17CC42158732}" type="datetimeFigureOut">
               <a:rPr lang="en-AU" smtClean="0"/>
-              <a:t>17/09/2018</a:t>
+              <a:t>27/09/2018</a:t>
             </a:fld>
             <a:endParaRPr lang="en-AU"/>
           </a:p>
@@ -1870,7 +1870,7 @@
     </p:spTree>
     <p:extLst>
       <p:ext uri="{BB962C8B-B14F-4D97-AF65-F5344CB8AC3E}">
-        <p14:creationId xmlns:p14="http://schemas.microsoft.com/office/powerpoint/2010/main" val="1629006561"/>
+        <p14:creationId xmlns:p14="http://schemas.microsoft.com/office/powerpoint/2010/main" val="3710725547"/>
       </p:ext>
     </p:extLst>
   </p:cSld>
@@ -1909,8 +1909,8 @@
         </p:nvSpPr>
         <p:spPr>
           <a:xfrm>
-            <a:off x="669534" y="768032"/>
-            <a:ext cx="3135038" cy="2688114"/>
+            <a:off x="669534" y="839999"/>
+            <a:ext cx="3135038" cy="2939997"/>
           </a:xfrm>
         </p:spPr>
         <p:txBody>
@@ -1941,8 +1941,8 @@
         </p:nvSpPr>
         <p:spPr>
           <a:xfrm>
-            <a:off x="4132378" y="1658740"/>
-            <a:ext cx="4920883" cy="8187013"/>
+            <a:off x="4132378" y="1814168"/>
+            <a:ext cx="4920883" cy="8954158"/>
           </a:xfrm>
         </p:spPr>
         <p:txBody>
@@ -2026,8 +2026,8 @@
         </p:nvSpPr>
         <p:spPr>
           <a:xfrm>
-            <a:off x="669534" y="3456146"/>
-            <a:ext cx="3135038" cy="6402939"/>
+            <a:off x="669534" y="3779996"/>
+            <a:ext cx="3135038" cy="7002911"/>
           </a:xfrm>
         </p:spPr>
         <p:txBody>
@@ -2096,7 +2096,7 @@
           <a:p>
             <a:fld id="{AAA0856C-38E8-4016-B72A-17CC42158732}" type="datetimeFigureOut">
               <a:rPr lang="en-AU" smtClean="0"/>
-              <a:t>17/09/2018</a:t>
+              <a:t>27/09/2018</a:t>
             </a:fld>
             <a:endParaRPr lang="en-AU"/>
           </a:p>
@@ -2147,7 +2147,7 @@
     </p:spTree>
     <p:extLst>
       <p:ext uri="{BB962C8B-B14F-4D97-AF65-F5344CB8AC3E}">
-        <p14:creationId xmlns:p14="http://schemas.microsoft.com/office/powerpoint/2010/main" val="2183339380"/>
+        <p14:creationId xmlns:p14="http://schemas.microsoft.com/office/powerpoint/2010/main" val="75243375"/>
       </p:ext>
     </p:extLst>
   </p:cSld>
@@ -2186,8 +2186,8 @@
         </p:nvSpPr>
         <p:spPr>
           <a:xfrm>
-            <a:off x="669534" y="768032"/>
-            <a:ext cx="3135038" cy="2688114"/>
+            <a:off x="669534" y="839999"/>
+            <a:ext cx="3135038" cy="2939997"/>
           </a:xfrm>
         </p:spPr>
         <p:txBody>
@@ -2218,8 +2218,8 @@
         </p:nvSpPr>
         <p:spPr>
           <a:xfrm>
-            <a:off x="4132378" y="1658740"/>
-            <a:ext cx="4920883" cy="8187013"/>
+            <a:off x="4132378" y="1814168"/>
+            <a:ext cx="4920883" cy="8954158"/>
           </a:xfrm>
         </p:spPr>
         <p:txBody>
@@ -2283,8 +2283,8 @@
         </p:nvSpPr>
         <p:spPr>
           <a:xfrm>
-            <a:off x="669534" y="3456146"/>
-            <a:ext cx="3135038" cy="6402939"/>
+            <a:off x="669534" y="3779996"/>
+            <a:ext cx="3135038" cy="7002911"/>
           </a:xfrm>
         </p:spPr>
         <p:txBody>
@@ -2353,7 +2353,7 @@
           <a:p>
             <a:fld id="{AAA0856C-38E8-4016-B72A-17CC42158732}" type="datetimeFigureOut">
               <a:rPr lang="en-AU" smtClean="0"/>
-              <a:t>17/09/2018</a:t>
+              <a:t>27/09/2018</a:t>
             </a:fld>
             <a:endParaRPr lang="en-AU"/>
           </a:p>
@@ -2404,7 +2404,7 @@
     </p:spTree>
     <p:extLst>
       <p:ext uri="{BB962C8B-B14F-4D97-AF65-F5344CB8AC3E}">
-        <p14:creationId xmlns:p14="http://schemas.microsoft.com/office/powerpoint/2010/main" val="2649022667"/>
+        <p14:creationId xmlns:p14="http://schemas.microsoft.com/office/powerpoint/2010/main" val="868074765"/>
       </p:ext>
     </p:extLst>
   </p:cSld>
@@ -2448,8 +2448,8 @@
         </p:nvSpPr>
         <p:spPr>
           <a:xfrm>
-            <a:off x="668268" y="613362"/>
-            <a:ext cx="8383727" cy="2226762"/>
+            <a:off x="668268" y="670836"/>
+            <a:ext cx="8383727" cy="2435415"/>
           </a:xfrm>
           <a:prstGeom prst="rect">
             <a:avLst/>
@@ -2481,8 +2481,8 @@
         </p:nvSpPr>
         <p:spPr>
           <a:xfrm>
-            <a:off x="668268" y="3066796"/>
-            <a:ext cx="8383727" cy="7309644"/>
+            <a:off x="668268" y="3354163"/>
+            <a:ext cx="8383727" cy="7994577"/>
           </a:xfrm>
           <a:prstGeom prst="rect">
             <a:avLst/>
@@ -2543,8 +2543,8 @@
         </p:nvSpPr>
         <p:spPr>
           <a:xfrm>
-            <a:off x="668268" y="10677788"/>
-            <a:ext cx="2187059" cy="613359"/>
+            <a:off x="668268" y="11678325"/>
+            <a:ext cx="2187059" cy="670833"/>
           </a:xfrm>
           <a:prstGeom prst="rect">
             <a:avLst/>
@@ -2566,7 +2566,7 @@
           <a:p>
             <a:fld id="{AAA0856C-38E8-4016-B72A-17CC42158732}" type="datetimeFigureOut">
               <a:rPr lang="en-AU" smtClean="0"/>
-              <a:t>17/09/2018</a:t>
+              <a:t>27/09/2018</a:t>
             </a:fld>
             <a:endParaRPr lang="en-AU"/>
           </a:p>
@@ -2584,8 +2584,8 @@
         </p:nvSpPr>
         <p:spPr>
           <a:xfrm>
-            <a:off x="3219837" y="10677788"/>
-            <a:ext cx="3280589" cy="613359"/>
+            <a:off x="3219837" y="11678325"/>
+            <a:ext cx="3280589" cy="670833"/>
           </a:xfrm>
           <a:prstGeom prst="rect">
             <a:avLst/>
@@ -2621,8 +2621,8 @@
         </p:nvSpPr>
         <p:spPr>
           <a:xfrm>
-            <a:off x="6864936" y="10677788"/>
-            <a:ext cx="2187059" cy="613359"/>
+            <a:off x="6864936" y="11678325"/>
+            <a:ext cx="2187059" cy="670833"/>
           </a:xfrm>
           <a:prstGeom prst="rect">
             <a:avLst/>
@@ -2653,23 +2653,23 @@
     </p:spTree>
     <p:extLst>
       <p:ext uri="{BB962C8B-B14F-4D97-AF65-F5344CB8AC3E}">
-        <p14:creationId xmlns:p14="http://schemas.microsoft.com/office/powerpoint/2010/main" val="2268615448"/>
+        <p14:creationId xmlns:p14="http://schemas.microsoft.com/office/powerpoint/2010/main" val="2589883143"/>
       </p:ext>
     </p:extLst>
   </p:cSld>
   <p:clrMap bg1="lt1" tx1="dk1" bg2="lt2" tx2="dk2" accent1="accent1" accent2="accent2" accent3="accent3" accent4="accent4" accent5="accent5" accent6="accent6" hlink="hlink" folHlink="folHlink"/>
   <p:sldLayoutIdLst>
-    <p:sldLayoutId id="2147483709" r:id="rId1"/>
-    <p:sldLayoutId id="2147483710" r:id="rId2"/>
-    <p:sldLayoutId id="2147483711" r:id="rId3"/>
-    <p:sldLayoutId id="2147483712" r:id="rId4"/>
-    <p:sldLayoutId id="2147483713" r:id="rId5"/>
-    <p:sldLayoutId id="2147483714" r:id="rId6"/>
-    <p:sldLayoutId id="2147483715" r:id="rId7"/>
-    <p:sldLayoutId id="2147483716" r:id="rId8"/>
-    <p:sldLayoutId id="2147483717" r:id="rId9"/>
-    <p:sldLayoutId id="2147483718" r:id="rId10"/>
-    <p:sldLayoutId id="2147483719" r:id="rId11"/>
+    <p:sldLayoutId id="2147483721" r:id="rId1"/>
+    <p:sldLayoutId id="2147483722" r:id="rId2"/>
+    <p:sldLayoutId id="2147483723" r:id="rId3"/>
+    <p:sldLayoutId id="2147483724" r:id="rId4"/>
+    <p:sldLayoutId id="2147483725" r:id="rId5"/>
+    <p:sldLayoutId id="2147483726" r:id="rId6"/>
+    <p:sldLayoutId id="2147483727" r:id="rId7"/>
+    <p:sldLayoutId id="2147483728" r:id="rId8"/>
+    <p:sldLayoutId id="2147483729" r:id="rId9"/>
+    <p:sldLayoutId id="2147483730" r:id="rId10"/>
+    <p:sldLayoutId id="2147483731" r:id="rId11"/>
   </p:sldLayoutIdLst>
   <p:txStyles>
     <p:titleStyle>
@@ -2973,7 +2973,7 @@
       </p:grpSpPr>
       <p:pic>
         <p:nvPicPr>
-          <p:cNvPr id="19" name="Picture 18"/>
+          <p:cNvPr id="8" name="Picture 7"/>
           <p:cNvPicPr>
             <a:picLocks noChangeAspect="1"/>
           </p:cNvPicPr>
@@ -2981,18 +2981,46 @@
         </p:nvPicPr>
         <p:blipFill rotWithShape="1">
           <a:blip r:embed="rId2"/>
-          <a:srcRect l="29537" t="34396" r="33151" b="19813"/>
+          <a:srcRect l="16433" t="14216" r="17069" b="8191"/>
           <a:stretch/>
         </p:blipFill>
         <p:spPr>
           <a:xfrm>
-            <a:off x="738460" y="264355"/>
-            <a:ext cx="4242605" cy="3623344"/>
-          </a:xfrm>
-          <a:prstGeom prst="rect">
-            <a:avLst/>
-          </a:prstGeom>
-          <a:ln w="19050">
+            <a:off x="711201" y="1354175"/>
+            <a:ext cx="4241301" cy="3645604"/>
+          </a:xfrm>
+          <a:prstGeom prst="rect">
+            <a:avLst/>
+          </a:prstGeom>
+          <a:ln>
+            <a:solidFill>
+              <a:schemeClr val="tx1"/>
+            </a:solidFill>
+          </a:ln>
+        </p:spPr>
+      </p:pic>
+      <p:pic>
+        <p:nvPicPr>
+          <p:cNvPr id="6" name="Picture 5"/>
+          <p:cNvPicPr>
+            <a:picLocks noChangeAspect="1"/>
+          </p:cNvPicPr>
+          <p:nvPr/>
+        </p:nvPicPr>
+        <p:blipFill rotWithShape="1">
+          <a:blip r:embed="rId3"/>
+          <a:srcRect l="18263" t="17988" r="27656" b="17640"/>
+          <a:stretch/>
+        </p:blipFill>
+        <p:spPr>
+          <a:xfrm rot="16200000">
+            <a:off x="900721" y="8324765"/>
+            <a:ext cx="3897148" cy="4263547"/>
+          </a:xfrm>
+          <a:prstGeom prst="rect">
+            <a:avLst/>
+          </a:prstGeom>
+          <a:ln>
             <a:solidFill>
               <a:schemeClr val="tx1"/>
             </a:solidFill>
@@ -3008,11 +3036,11 @@
           <p:nvPr/>
         </p:nvPicPr>
         <p:blipFill rotWithShape="1">
-          <a:blip r:embed="rId3">
+          <a:blip r:embed="rId4">
             <a:extLst>
               <a:ext uri="{BEBA8EAE-BF5A-486C-A8C5-ECC9F3942E4B}">
                 <a14:imgProps xmlns:a14="http://schemas.microsoft.com/office/drawing/2010/main">
-                  <a14:imgLayer r:embed="rId4">
+                  <a14:imgLayer r:embed="rId5">
                     <a14:imgEffect>
                       <a14:sharpenSoften amount="25000"/>
                     </a14:imgEffect>
@@ -3032,7 +3060,7 @@
         </p:blipFill>
         <p:spPr>
           <a:xfrm>
-            <a:off x="5197633" y="266049"/>
+            <a:off x="5183122" y="1342828"/>
             <a:ext cx="4223085" cy="3621653"/>
           </a:xfrm>
           <a:prstGeom prst="rect">
@@ -3054,11 +3082,11 @@
           <p:nvPr/>
         </p:nvPicPr>
         <p:blipFill rotWithShape="1">
-          <a:blip r:embed="rId5">
+          <a:blip r:embed="rId6">
             <a:extLst>
               <a:ext uri="{BEBA8EAE-BF5A-486C-A8C5-ECC9F3942E4B}">
                 <a14:imgProps xmlns:a14="http://schemas.microsoft.com/office/drawing/2010/main">
-                  <a14:imgLayer r:embed="rId6">
+                  <a14:imgLayer r:embed="rId7">
                     <a14:imgEffect>
                       <a14:saturation sat="0"/>
                     </a14:imgEffect>
@@ -3078,7 +3106,7 @@
         </p:blipFill>
         <p:spPr>
           <a:xfrm rot="16200000">
-            <a:off x="5385578" y="7251333"/>
+            <a:off x="5371067" y="8328111"/>
             <a:ext cx="3859227" cy="4235116"/>
           </a:xfrm>
           <a:prstGeom prst="rect">
@@ -3100,7 +3128,7 @@
           <p:nvPr/>
         </p:nvPicPr>
         <p:blipFill rotWithShape="1">
-          <a:blip r:embed="rId7">
+          <a:blip r:embed="rId8">
             <a:extLst>
               <a:ext uri="{28A0092B-C50C-407E-A947-70E740481C1C}">
                 <a14:useLocalDpi xmlns:a14="http://schemas.microsoft.com/office/drawing/2010/main" val="0"/>
@@ -3112,36 +3140,8 @@
         </p:blipFill>
         <p:spPr>
           <a:xfrm rot="16200000">
-            <a:off x="5670922" y="3545934"/>
+            <a:off x="5656411" y="4622712"/>
             <a:ext cx="3288543" cy="4235112"/>
-          </a:xfrm>
-          <a:prstGeom prst="rect">
-            <a:avLst/>
-          </a:prstGeom>
-          <a:ln w="19050">
-            <a:solidFill>
-              <a:schemeClr val="tx1"/>
-            </a:solidFill>
-          </a:ln>
-        </p:spPr>
-      </p:pic>
-      <p:pic>
-        <p:nvPicPr>
-          <p:cNvPr id="15" name="Picture 14"/>
-          <p:cNvPicPr>
-            <a:picLocks noChangeAspect="1"/>
-          </p:cNvPicPr>
-          <p:nvPr/>
-        </p:nvPicPr>
-        <p:blipFill rotWithShape="1">
-          <a:blip r:embed="rId8"/>
-          <a:srcRect l="19903" t="31992" r="41992" b="20628"/>
-          <a:stretch/>
-        </p:blipFill>
-        <p:spPr>
-          <a:xfrm rot="16200000">
-            <a:off x="931940" y="7245802"/>
-            <a:ext cx="3855646" cy="4242605"/>
           </a:xfrm>
           <a:prstGeom prst="rect">
             <a:avLst/>
@@ -3168,7 +3168,7 @@
         </p:blipFill>
         <p:spPr>
           <a:xfrm>
-            <a:off x="738460" y="4019221"/>
+            <a:off x="723949" y="5096000"/>
             <a:ext cx="4242605" cy="3288541"/>
           </a:xfrm>
           <a:prstGeom prst="rect">
@@ -3189,7 +3189,7 @@
         </p:nvCxnSpPr>
         <p:spPr>
           <a:xfrm flipV="1">
-            <a:off x="854258" y="3491880"/>
+            <a:off x="839747" y="4568658"/>
             <a:ext cx="504065" cy="1856"/>
           </a:xfrm>
           <a:prstGeom prst="line">
@@ -3224,7 +3224,7 @@
         </p:nvSpPr>
         <p:spPr>
           <a:xfrm>
-            <a:off x="730972" y="3549550"/>
+            <a:off x="716461" y="4626329"/>
             <a:ext cx="890621" cy="346249"/>
           </a:xfrm>
           <a:prstGeom prst="rect">
@@ -3240,13 +3240,8 @@
           <a:p>
             <a:r>
               <a:rPr lang="en-AU" dirty="0"/>
-              <a:t>2</a:t>
-            </a:r>
-            <a:r>
-              <a:rPr lang="en-AU" dirty="0"/>
-              <a:t>00nm</a:t>
-            </a:r>
-            <a:endParaRPr lang="en-AU" dirty="0"/>
+              <a:t>200nm</a:t>
+            </a:r>
           </a:p>
         </p:txBody>
       </p:sp>
@@ -3258,7 +3253,7 @@
         </p:nvSpPr>
         <p:spPr>
           <a:xfrm>
-            <a:off x="177661" y="169294"/>
+            <a:off x="163149" y="1246072"/>
             <a:ext cx="327092" cy="523220"/>
           </a:xfrm>
           <a:prstGeom prst="rect">
@@ -3287,7 +3282,7 @@
         </p:nvSpPr>
         <p:spPr>
           <a:xfrm flipH="1">
-            <a:off x="177663" y="3887699"/>
+            <a:off x="163152" y="4964477"/>
             <a:ext cx="415927" cy="523220"/>
           </a:xfrm>
           <a:prstGeom prst="rect">
@@ -3316,7 +3311,7 @@
         </p:nvSpPr>
         <p:spPr>
           <a:xfrm>
-            <a:off x="219024" y="7344494"/>
+            <a:off x="204513" y="8421272"/>
             <a:ext cx="333203" cy="523220"/>
           </a:xfrm>
           <a:prstGeom prst="rect">
@@ -3345,24 +3340,18 @@
         </p:nvSpPr>
         <p:spPr>
           <a:xfrm>
-            <a:off x="2238232" y="1937981"/>
+            <a:off x="2193241" y="3017228"/>
             <a:ext cx="218365" cy="423081"/>
           </a:xfrm>
           <a:prstGeom prst="rect">
             <a:avLst/>
           </a:prstGeom>
-          <a:pattFill prst="ltUpDiag">
-            <a:fgClr>
-              <a:schemeClr val="tx1"/>
-            </a:fgClr>
-            <a:bgClr>
-              <a:schemeClr val="bg1"/>
-            </a:bgClr>
-          </a:pattFill>
+          <a:noFill/>
           <a:ln w="28575">
             <a:solidFill>
               <a:schemeClr val="tx1"/>
             </a:solidFill>
+            <a:prstDash val="sysDash"/>
           </a:ln>
         </p:spPr>
         <p:style>
@@ -3387,6 +3376,1834 @@
           <a:p>
             <a:pPr algn="ctr"/>
             <a:endParaRPr lang="en-AU"/>
+          </a:p>
+        </p:txBody>
+      </p:sp>
+      <p:sp>
+        <p:nvSpPr>
+          <p:cNvPr id="16" name="Rectangle 15"/>
+          <p:cNvSpPr/>
+          <p:nvPr/>
+        </p:nvSpPr>
+        <p:spPr>
+          <a:xfrm>
+            <a:off x="3018534" y="3017227"/>
+            <a:ext cx="218365" cy="423081"/>
+          </a:xfrm>
+          <a:prstGeom prst="rect">
+            <a:avLst/>
+          </a:prstGeom>
+          <a:noFill/>
+          <a:ln w="28575">
+            <a:solidFill>
+              <a:schemeClr val="tx1"/>
+            </a:solidFill>
+            <a:prstDash val="sysDash"/>
+          </a:ln>
+        </p:spPr>
+        <p:style>
+          <a:lnRef idx="2">
+            <a:schemeClr val="accent1">
+              <a:shade val="50000"/>
+            </a:schemeClr>
+          </a:lnRef>
+          <a:fillRef idx="1">
+            <a:schemeClr val="accent1"/>
+          </a:fillRef>
+          <a:effectRef idx="0">
+            <a:schemeClr val="accent1"/>
+          </a:effectRef>
+          <a:fontRef idx="minor">
+            <a:schemeClr val="lt1"/>
+          </a:fontRef>
+        </p:style>
+        <p:txBody>
+          <a:bodyPr rtlCol="0" anchor="ctr"/>
+          <a:lstStyle/>
+          <a:p>
+            <a:pPr algn="ctr"/>
+            <a:endParaRPr lang="en-AU"/>
+          </a:p>
+        </p:txBody>
+      </p:sp>
+      <p:sp>
+        <p:nvSpPr>
+          <p:cNvPr id="23" name="Rectangle 22"/>
+          <p:cNvSpPr/>
+          <p:nvPr/>
+        </p:nvSpPr>
+        <p:spPr>
+          <a:xfrm>
+            <a:off x="2345965" y="6991891"/>
+            <a:ext cx="212907" cy="394248"/>
+          </a:xfrm>
+          <a:prstGeom prst="rect">
+            <a:avLst/>
+          </a:prstGeom>
+          <a:noFill/>
+          <a:ln w="28575">
+            <a:solidFill>
+              <a:schemeClr val="tx1"/>
+            </a:solidFill>
+            <a:prstDash val="sysDash"/>
+          </a:ln>
+        </p:spPr>
+        <p:style>
+          <a:lnRef idx="2">
+            <a:schemeClr val="accent1">
+              <a:shade val="50000"/>
+            </a:schemeClr>
+          </a:lnRef>
+          <a:fillRef idx="1">
+            <a:schemeClr val="accent1"/>
+          </a:fillRef>
+          <a:effectRef idx="0">
+            <a:schemeClr val="accent1"/>
+          </a:effectRef>
+          <a:fontRef idx="minor">
+            <a:schemeClr val="lt1"/>
+          </a:fontRef>
+        </p:style>
+        <p:txBody>
+          <a:bodyPr rtlCol="0" anchor="ctr"/>
+          <a:lstStyle/>
+          <a:p>
+            <a:pPr algn="ctr"/>
+            <a:endParaRPr lang="en-AU"/>
+          </a:p>
+        </p:txBody>
+      </p:sp>
+      <p:sp>
+        <p:nvSpPr>
+          <p:cNvPr id="24" name="Rectangle 23"/>
+          <p:cNvSpPr/>
+          <p:nvPr/>
+        </p:nvSpPr>
+        <p:spPr>
+          <a:xfrm>
+            <a:off x="3182195" y="6991889"/>
+            <a:ext cx="212907" cy="394248"/>
+          </a:xfrm>
+          <a:prstGeom prst="rect">
+            <a:avLst/>
+          </a:prstGeom>
+          <a:noFill/>
+          <a:ln w="28575">
+            <a:solidFill>
+              <a:schemeClr val="tx1"/>
+            </a:solidFill>
+            <a:prstDash val="sysDash"/>
+          </a:ln>
+        </p:spPr>
+        <p:style>
+          <a:lnRef idx="2">
+            <a:schemeClr val="accent1">
+              <a:shade val="50000"/>
+            </a:schemeClr>
+          </a:lnRef>
+          <a:fillRef idx="1">
+            <a:schemeClr val="accent1"/>
+          </a:fillRef>
+          <a:effectRef idx="0">
+            <a:schemeClr val="accent1"/>
+          </a:effectRef>
+          <a:fontRef idx="minor">
+            <a:schemeClr val="lt1"/>
+          </a:fontRef>
+        </p:style>
+        <p:txBody>
+          <a:bodyPr rtlCol="0" anchor="ctr"/>
+          <a:lstStyle/>
+          <a:p>
+            <a:pPr algn="ctr"/>
+            <a:endParaRPr lang="en-AU"/>
+          </a:p>
+        </p:txBody>
+      </p:sp>
+      <p:sp>
+        <p:nvSpPr>
+          <p:cNvPr id="25" name="Rectangle 24"/>
+          <p:cNvSpPr/>
+          <p:nvPr/>
+        </p:nvSpPr>
+        <p:spPr>
+          <a:xfrm>
+            <a:off x="2717680" y="10783932"/>
+            <a:ext cx="183728" cy="322218"/>
+          </a:xfrm>
+          <a:prstGeom prst="rect">
+            <a:avLst/>
+          </a:prstGeom>
+          <a:noFill/>
+          <a:ln w="28575">
+            <a:solidFill>
+              <a:schemeClr val="tx1"/>
+            </a:solidFill>
+            <a:prstDash val="sysDash"/>
+          </a:ln>
+        </p:spPr>
+        <p:style>
+          <a:lnRef idx="2">
+            <a:schemeClr val="accent1">
+              <a:shade val="50000"/>
+            </a:schemeClr>
+          </a:lnRef>
+          <a:fillRef idx="1">
+            <a:schemeClr val="accent1"/>
+          </a:fillRef>
+          <a:effectRef idx="0">
+            <a:schemeClr val="accent1"/>
+          </a:effectRef>
+          <a:fontRef idx="minor">
+            <a:schemeClr val="lt1"/>
+          </a:fontRef>
+        </p:style>
+        <p:txBody>
+          <a:bodyPr rtlCol="0" anchor="ctr"/>
+          <a:lstStyle/>
+          <a:p>
+            <a:pPr algn="ctr"/>
+            <a:endParaRPr lang="en-AU"/>
+          </a:p>
+        </p:txBody>
+      </p:sp>
+      <p:sp>
+        <p:nvSpPr>
+          <p:cNvPr id="3" name="Rounded Rectangle 2"/>
+          <p:cNvSpPr/>
+          <p:nvPr/>
+        </p:nvSpPr>
+        <p:spPr>
+          <a:xfrm>
+            <a:off x="854262" y="215804"/>
+            <a:ext cx="389389" cy="309870"/>
+          </a:xfrm>
+          <a:prstGeom prst="roundRect">
+            <a:avLst/>
+          </a:prstGeom>
+          <a:solidFill>
+            <a:srgbClr val="FFD780"/>
+          </a:solidFill>
+          <a:ln>
+            <a:noFill/>
+          </a:ln>
+        </p:spPr>
+        <p:style>
+          <a:lnRef idx="2">
+            <a:schemeClr val="accent1">
+              <a:shade val="50000"/>
+            </a:schemeClr>
+          </a:lnRef>
+          <a:fillRef idx="1">
+            <a:schemeClr val="accent1"/>
+          </a:fillRef>
+          <a:effectRef idx="0">
+            <a:schemeClr val="accent1"/>
+          </a:effectRef>
+          <a:fontRef idx="minor">
+            <a:schemeClr val="lt1"/>
+          </a:fontRef>
+        </p:style>
+        <p:txBody>
+          <a:bodyPr rtlCol="0" anchor="ctr"/>
+          <a:lstStyle/>
+          <a:p>
+            <a:pPr algn="ctr"/>
+            <a:endParaRPr lang="en-AU"/>
+          </a:p>
+        </p:txBody>
+      </p:sp>
+      <p:sp>
+        <p:nvSpPr>
+          <p:cNvPr id="4" name="TextBox 3"/>
+          <p:cNvSpPr txBox="1"/>
+          <p:nvPr/>
+        </p:nvSpPr>
+        <p:spPr>
+          <a:xfrm>
+            <a:off x="1673404" y="147824"/>
+            <a:ext cx="3174367" cy="400110"/>
+          </a:xfrm>
+          <a:prstGeom prst="rect">
+            <a:avLst/>
+          </a:prstGeom>
+          <a:noFill/>
+        </p:spPr>
+        <p:txBody>
+          <a:bodyPr wrap="square" rtlCol="0">
+            <a:spAutoFit/>
+          </a:bodyPr>
+          <a:lstStyle/>
+          <a:p>
+            <a:r>
+              <a:rPr lang="en-AU" sz="2000" dirty="0" smtClean="0"/>
+              <a:t>Read-out SET/Reservoir gate</a:t>
+            </a:r>
+            <a:endParaRPr lang="en-AU" sz="2000" dirty="0"/>
+          </a:p>
+        </p:txBody>
+      </p:sp>
+      <p:sp>
+        <p:nvSpPr>
+          <p:cNvPr id="28" name="Rounded Rectangle 27"/>
+          <p:cNvSpPr/>
+          <p:nvPr/>
+        </p:nvSpPr>
+        <p:spPr>
+          <a:xfrm>
+            <a:off x="839747" y="625031"/>
+            <a:ext cx="764733" cy="246743"/>
+          </a:xfrm>
+          <a:prstGeom prst="roundRect">
+            <a:avLst/>
+          </a:prstGeom>
+          <a:solidFill>
+            <a:srgbClr val="80D580"/>
+          </a:solidFill>
+          <a:ln>
+            <a:noFill/>
+          </a:ln>
+        </p:spPr>
+        <p:style>
+          <a:lnRef idx="2">
+            <a:schemeClr val="accent1">
+              <a:shade val="50000"/>
+            </a:schemeClr>
+          </a:lnRef>
+          <a:fillRef idx="1">
+            <a:schemeClr val="accent1"/>
+          </a:fillRef>
+          <a:effectRef idx="0">
+            <a:schemeClr val="accent1"/>
+          </a:effectRef>
+          <a:fontRef idx="minor">
+            <a:schemeClr val="lt1"/>
+          </a:fontRef>
+        </p:style>
+        <p:txBody>
+          <a:bodyPr rtlCol="0" anchor="ctr"/>
+          <a:lstStyle/>
+          <a:p>
+            <a:pPr algn="ctr"/>
+            <a:endParaRPr lang="en-AU"/>
+          </a:p>
+        </p:txBody>
+      </p:sp>
+      <p:sp>
+        <p:nvSpPr>
+          <p:cNvPr id="29" name="TextBox 28"/>
+          <p:cNvSpPr txBox="1"/>
+          <p:nvPr/>
+        </p:nvSpPr>
+        <p:spPr>
+          <a:xfrm>
+            <a:off x="1673404" y="548561"/>
+            <a:ext cx="2538770" cy="400110"/>
+          </a:xfrm>
+          <a:prstGeom prst="rect">
+            <a:avLst/>
+          </a:prstGeom>
+          <a:noFill/>
+        </p:spPr>
+        <p:txBody>
+          <a:bodyPr wrap="square" rtlCol="0">
+            <a:spAutoFit/>
+          </a:bodyPr>
+          <a:lstStyle/>
+          <a:p>
+            <a:r>
+              <a:rPr lang="en-AU" sz="2000" dirty="0" smtClean="0"/>
+              <a:t>Confinement control</a:t>
+            </a:r>
+            <a:endParaRPr lang="en-AU" sz="2000" dirty="0"/>
+          </a:p>
+        </p:txBody>
+      </p:sp>
+      <p:sp>
+        <p:nvSpPr>
+          <p:cNvPr id="30" name="Rounded Rectangle 29"/>
+          <p:cNvSpPr/>
+          <p:nvPr/>
+        </p:nvSpPr>
+        <p:spPr>
+          <a:xfrm>
+            <a:off x="5324661" y="233873"/>
+            <a:ext cx="764733" cy="246743"/>
+          </a:xfrm>
+          <a:prstGeom prst="roundRect">
+            <a:avLst/>
+          </a:prstGeom>
+          <a:solidFill>
+            <a:srgbClr val="FF7F7F"/>
+          </a:solidFill>
+          <a:ln>
+            <a:solidFill>
+              <a:srgbClr val="FF8080"/>
+            </a:solidFill>
+          </a:ln>
+        </p:spPr>
+        <p:style>
+          <a:lnRef idx="2">
+            <a:schemeClr val="accent1">
+              <a:shade val="50000"/>
+            </a:schemeClr>
+          </a:lnRef>
+          <a:fillRef idx="1">
+            <a:schemeClr val="accent1"/>
+          </a:fillRef>
+          <a:effectRef idx="0">
+            <a:schemeClr val="accent1"/>
+          </a:effectRef>
+          <a:fontRef idx="minor">
+            <a:schemeClr val="lt1"/>
+          </a:fontRef>
+        </p:style>
+        <p:txBody>
+          <a:bodyPr rtlCol="0" anchor="ctr"/>
+          <a:lstStyle/>
+          <a:p>
+            <a:pPr algn="ctr"/>
+            <a:endParaRPr lang="en-AU"/>
+          </a:p>
+        </p:txBody>
+      </p:sp>
+      <p:sp>
+        <p:nvSpPr>
+          <p:cNvPr id="31" name="TextBox 30"/>
+          <p:cNvSpPr txBox="1"/>
+          <p:nvPr/>
+        </p:nvSpPr>
+        <p:spPr>
+          <a:xfrm>
+            <a:off x="6158317" y="528716"/>
+            <a:ext cx="2907303" cy="400110"/>
+          </a:xfrm>
+          <a:prstGeom prst="rect">
+            <a:avLst/>
+          </a:prstGeom>
+          <a:noFill/>
+        </p:spPr>
+        <p:txBody>
+          <a:bodyPr wrap="square" rtlCol="0">
+            <a:spAutoFit/>
+          </a:bodyPr>
+          <a:lstStyle/>
+          <a:p>
+            <a:r>
+              <a:rPr lang="en-AU" sz="2000" dirty="0" smtClean="0"/>
+              <a:t>Tunnel coupling control</a:t>
+            </a:r>
+            <a:endParaRPr lang="en-AU" sz="2000" dirty="0"/>
+          </a:p>
+        </p:txBody>
+      </p:sp>
+      <p:sp>
+        <p:nvSpPr>
+          <p:cNvPr id="32" name="Rounded Rectangle 31"/>
+          <p:cNvSpPr/>
+          <p:nvPr/>
+        </p:nvSpPr>
+        <p:spPr>
+          <a:xfrm>
+            <a:off x="5324661" y="599556"/>
+            <a:ext cx="764733" cy="246743"/>
+          </a:xfrm>
+          <a:prstGeom prst="roundRect">
+            <a:avLst/>
+          </a:prstGeom>
+          <a:solidFill>
+            <a:srgbClr val="8686FF"/>
+          </a:solidFill>
+          <a:ln>
+            <a:noFill/>
+          </a:ln>
+        </p:spPr>
+        <p:style>
+          <a:lnRef idx="2">
+            <a:schemeClr val="accent1">
+              <a:shade val="50000"/>
+            </a:schemeClr>
+          </a:lnRef>
+          <a:fillRef idx="1">
+            <a:schemeClr val="accent1"/>
+          </a:fillRef>
+          <a:effectRef idx="0">
+            <a:schemeClr val="accent1"/>
+          </a:effectRef>
+          <a:fontRef idx="minor">
+            <a:schemeClr val="lt1"/>
+          </a:fontRef>
+        </p:style>
+        <p:txBody>
+          <a:bodyPr rtlCol="0" anchor="ctr"/>
+          <a:lstStyle/>
+          <a:p>
+            <a:pPr algn="ctr"/>
+            <a:endParaRPr lang="en-AU"/>
+          </a:p>
+        </p:txBody>
+      </p:sp>
+      <p:sp>
+        <p:nvSpPr>
+          <p:cNvPr id="33" name="TextBox 32"/>
+          <p:cNvSpPr txBox="1"/>
+          <p:nvPr/>
+        </p:nvSpPr>
+        <p:spPr>
+          <a:xfrm>
+            <a:off x="6158318" y="147824"/>
+            <a:ext cx="2538770" cy="400110"/>
+          </a:xfrm>
+          <a:prstGeom prst="rect">
+            <a:avLst/>
+          </a:prstGeom>
+          <a:noFill/>
+        </p:spPr>
+        <p:txBody>
+          <a:bodyPr wrap="square" rtlCol="0">
+            <a:spAutoFit/>
+          </a:bodyPr>
+          <a:lstStyle/>
+          <a:p>
+            <a:r>
+              <a:rPr lang="en-AU" sz="2000" dirty="0" smtClean="0"/>
+              <a:t>Donor control</a:t>
+            </a:r>
+            <a:endParaRPr lang="en-AU" sz="2000" dirty="0"/>
+          </a:p>
+        </p:txBody>
+      </p:sp>
+      <p:sp>
+        <p:nvSpPr>
+          <p:cNvPr id="35" name="TextBox 34"/>
+          <p:cNvSpPr txBox="1"/>
+          <p:nvPr/>
+        </p:nvSpPr>
+        <p:spPr>
+          <a:xfrm>
+            <a:off x="1673404" y="932922"/>
+            <a:ext cx="2538770" cy="400110"/>
+          </a:xfrm>
+          <a:prstGeom prst="rect">
+            <a:avLst/>
+          </a:prstGeom>
+          <a:noFill/>
+        </p:spPr>
+        <p:txBody>
+          <a:bodyPr wrap="square" rtlCol="0">
+            <a:spAutoFit/>
+          </a:bodyPr>
+          <a:lstStyle/>
+          <a:p>
+            <a:r>
+              <a:rPr lang="en-AU" sz="2000" dirty="0" smtClean="0"/>
+              <a:t>Microwave antenna</a:t>
+            </a:r>
+            <a:endParaRPr lang="en-AU" sz="2000" dirty="0"/>
+          </a:p>
+        </p:txBody>
+      </p:sp>
+      <p:cxnSp>
+        <p:nvCxnSpPr>
+          <p:cNvPr id="36" name="Straight Connector 35"/>
+          <p:cNvCxnSpPr/>
+          <p:nvPr/>
+        </p:nvCxnSpPr>
+        <p:spPr>
+          <a:xfrm flipV="1">
+            <a:off x="5323548" y="4568658"/>
+            <a:ext cx="504065" cy="1856"/>
+          </a:xfrm>
+          <a:prstGeom prst="line">
+            <a:avLst/>
+          </a:prstGeom>
+          <a:ln w="57150">
+            <a:solidFill>
+              <a:schemeClr val="bg1"/>
+            </a:solidFill>
+          </a:ln>
+        </p:spPr>
+        <p:style>
+          <a:lnRef idx="1">
+            <a:schemeClr val="accent1"/>
+          </a:lnRef>
+          <a:fillRef idx="0">
+            <a:schemeClr val="accent1"/>
+          </a:fillRef>
+          <a:effectRef idx="0">
+            <a:schemeClr val="accent1"/>
+          </a:effectRef>
+          <a:fontRef idx="minor">
+            <a:schemeClr val="tx1"/>
+          </a:fontRef>
+        </p:style>
+      </p:cxnSp>
+      <p:sp>
+        <p:nvSpPr>
+          <p:cNvPr id="37" name="TextBox 36"/>
+          <p:cNvSpPr txBox="1"/>
+          <p:nvPr/>
+        </p:nvSpPr>
+        <p:spPr>
+          <a:xfrm>
+            <a:off x="5200262" y="4626329"/>
+            <a:ext cx="890621" cy="346249"/>
+          </a:xfrm>
+          <a:prstGeom prst="rect">
+            <a:avLst/>
+          </a:prstGeom>
+          <a:noFill/>
+        </p:spPr>
+        <p:txBody>
+          <a:bodyPr wrap="square" rtlCol="0">
+            <a:spAutoFit/>
+          </a:bodyPr>
+          <a:lstStyle/>
+          <a:p>
+            <a:r>
+              <a:rPr lang="en-AU" dirty="0">
+                <a:solidFill>
+                  <a:schemeClr val="bg1"/>
+                </a:solidFill>
+              </a:rPr>
+              <a:t>200nm</a:t>
+            </a:r>
+          </a:p>
+        </p:txBody>
+      </p:sp>
+      <p:cxnSp>
+        <p:nvCxnSpPr>
+          <p:cNvPr id="38" name="Straight Connector 37"/>
+          <p:cNvCxnSpPr/>
+          <p:nvPr/>
+        </p:nvCxnSpPr>
+        <p:spPr>
+          <a:xfrm flipV="1">
+            <a:off x="875195" y="8010211"/>
+            <a:ext cx="504065" cy="1856"/>
+          </a:xfrm>
+          <a:prstGeom prst="line">
+            <a:avLst/>
+          </a:prstGeom>
+          <a:ln w="57150">
+            <a:solidFill>
+              <a:schemeClr val="tx1"/>
+            </a:solidFill>
+          </a:ln>
+        </p:spPr>
+        <p:style>
+          <a:lnRef idx="1">
+            <a:schemeClr val="accent1"/>
+          </a:lnRef>
+          <a:fillRef idx="0">
+            <a:schemeClr val="accent1"/>
+          </a:fillRef>
+          <a:effectRef idx="0">
+            <a:schemeClr val="accent1"/>
+          </a:effectRef>
+          <a:fontRef idx="minor">
+            <a:schemeClr val="tx1"/>
+          </a:fontRef>
+        </p:style>
+      </p:cxnSp>
+      <p:sp>
+        <p:nvSpPr>
+          <p:cNvPr id="39" name="TextBox 38"/>
+          <p:cNvSpPr txBox="1"/>
+          <p:nvPr/>
+        </p:nvSpPr>
+        <p:spPr>
+          <a:xfrm>
+            <a:off x="751909" y="8067882"/>
+            <a:ext cx="890621" cy="346249"/>
+          </a:xfrm>
+          <a:prstGeom prst="rect">
+            <a:avLst/>
+          </a:prstGeom>
+          <a:noFill/>
+        </p:spPr>
+        <p:txBody>
+          <a:bodyPr wrap="square" rtlCol="0">
+            <a:spAutoFit/>
+          </a:bodyPr>
+          <a:lstStyle/>
+          <a:p>
+            <a:r>
+              <a:rPr lang="en-AU" dirty="0"/>
+              <a:t>200nm</a:t>
+            </a:r>
+          </a:p>
+        </p:txBody>
+      </p:sp>
+      <p:cxnSp>
+        <p:nvCxnSpPr>
+          <p:cNvPr id="40" name="Straight Connector 39"/>
+          <p:cNvCxnSpPr/>
+          <p:nvPr/>
+        </p:nvCxnSpPr>
+        <p:spPr>
+          <a:xfrm flipV="1">
+            <a:off x="5358996" y="8010211"/>
+            <a:ext cx="504065" cy="1856"/>
+          </a:xfrm>
+          <a:prstGeom prst="line">
+            <a:avLst/>
+          </a:prstGeom>
+          <a:ln w="57150">
+            <a:solidFill>
+              <a:schemeClr val="bg1"/>
+            </a:solidFill>
+          </a:ln>
+        </p:spPr>
+        <p:style>
+          <a:lnRef idx="1">
+            <a:schemeClr val="accent1"/>
+          </a:lnRef>
+          <a:fillRef idx="0">
+            <a:schemeClr val="accent1"/>
+          </a:fillRef>
+          <a:effectRef idx="0">
+            <a:schemeClr val="accent1"/>
+          </a:effectRef>
+          <a:fontRef idx="minor">
+            <a:schemeClr val="tx1"/>
+          </a:fontRef>
+        </p:style>
+      </p:cxnSp>
+      <p:sp>
+        <p:nvSpPr>
+          <p:cNvPr id="41" name="TextBox 40"/>
+          <p:cNvSpPr txBox="1"/>
+          <p:nvPr/>
+        </p:nvSpPr>
+        <p:spPr>
+          <a:xfrm>
+            <a:off x="5235710" y="8067882"/>
+            <a:ext cx="890621" cy="346249"/>
+          </a:xfrm>
+          <a:prstGeom prst="rect">
+            <a:avLst/>
+          </a:prstGeom>
+          <a:noFill/>
+        </p:spPr>
+        <p:txBody>
+          <a:bodyPr wrap="square" rtlCol="0">
+            <a:spAutoFit/>
+          </a:bodyPr>
+          <a:lstStyle/>
+          <a:p>
+            <a:r>
+              <a:rPr lang="en-AU" dirty="0">
+                <a:solidFill>
+                  <a:schemeClr val="bg1"/>
+                </a:solidFill>
+              </a:rPr>
+              <a:t>200nm</a:t>
+            </a:r>
+          </a:p>
+        </p:txBody>
+      </p:sp>
+      <p:cxnSp>
+        <p:nvCxnSpPr>
+          <p:cNvPr id="42" name="Straight Connector 41"/>
+          <p:cNvCxnSpPr/>
+          <p:nvPr/>
+        </p:nvCxnSpPr>
+        <p:spPr>
+          <a:xfrm flipV="1">
+            <a:off x="912132" y="11967787"/>
+            <a:ext cx="504065" cy="1856"/>
+          </a:xfrm>
+          <a:prstGeom prst="line">
+            <a:avLst/>
+          </a:prstGeom>
+          <a:ln w="57150">
+            <a:solidFill>
+              <a:schemeClr val="tx1"/>
+            </a:solidFill>
+          </a:ln>
+        </p:spPr>
+        <p:style>
+          <a:lnRef idx="1">
+            <a:schemeClr val="accent1"/>
+          </a:lnRef>
+          <a:fillRef idx="0">
+            <a:schemeClr val="accent1"/>
+          </a:fillRef>
+          <a:effectRef idx="0">
+            <a:schemeClr val="accent1"/>
+          </a:effectRef>
+          <a:fontRef idx="minor">
+            <a:schemeClr val="tx1"/>
+          </a:fontRef>
+        </p:style>
+      </p:cxnSp>
+      <p:sp>
+        <p:nvSpPr>
+          <p:cNvPr id="43" name="TextBox 42"/>
+          <p:cNvSpPr txBox="1"/>
+          <p:nvPr/>
+        </p:nvSpPr>
+        <p:spPr>
+          <a:xfrm>
+            <a:off x="788846" y="12025458"/>
+            <a:ext cx="890621" cy="346249"/>
+          </a:xfrm>
+          <a:prstGeom prst="rect">
+            <a:avLst/>
+          </a:prstGeom>
+          <a:noFill/>
+        </p:spPr>
+        <p:txBody>
+          <a:bodyPr wrap="square" rtlCol="0">
+            <a:spAutoFit/>
+          </a:bodyPr>
+          <a:lstStyle/>
+          <a:p>
+            <a:r>
+              <a:rPr lang="en-AU" dirty="0"/>
+              <a:t>200nm</a:t>
+            </a:r>
+          </a:p>
+        </p:txBody>
+      </p:sp>
+      <p:cxnSp>
+        <p:nvCxnSpPr>
+          <p:cNvPr id="44" name="Straight Connector 43"/>
+          <p:cNvCxnSpPr/>
+          <p:nvPr/>
+        </p:nvCxnSpPr>
+        <p:spPr>
+          <a:xfrm flipV="1">
+            <a:off x="5395933" y="11967787"/>
+            <a:ext cx="504065" cy="1856"/>
+          </a:xfrm>
+          <a:prstGeom prst="line">
+            <a:avLst/>
+          </a:prstGeom>
+          <a:ln w="57150">
+            <a:solidFill>
+              <a:schemeClr val="bg1"/>
+            </a:solidFill>
+          </a:ln>
+        </p:spPr>
+        <p:style>
+          <a:lnRef idx="1">
+            <a:schemeClr val="accent1"/>
+          </a:lnRef>
+          <a:fillRef idx="0">
+            <a:schemeClr val="accent1"/>
+          </a:fillRef>
+          <a:effectRef idx="0">
+            <a:schemeClr val="accent1"/>
+          </a:effectRef>
+          <a:fontRef idx="minor">
+            <a:schemeClr val="tx1"/>
+          </a:fontRef>
+        </p:style>
+      </p:cxnSp>
+      <p:sp>
+        <p:nvSpPr>
+          <p:cNvPr id="45" name="TextBox 44"/>
+          <p:cNvSpPr txBox="1"/>
+          <p:nvPr/>
+        </p:nvSpPr>
+        <p:spPr>
+          <a:xfrm>
+            <a:off x="5272647" y="12025458"/>
+            <a:ext cx="890621" cy="346249"/>
+          </a:xfrm>
+          <a:prstGeom prst="rect">
+            <a:avLst/>
+          </a:prstGeom>
+          <a:noFill/>
+        </p:spPr>
+        <p:txBody>
+          <a:bodyPr wrap="square" rtlCol="0">
+            <a:spAutoFit/>
+          </a:bodyPr>
+          <a:lstStyle/>
+          <a:p>
+            <a:r>
+              <a:rPr lang="en-AU" dirty="0">
+                <a:solidFill>
+                  <a:schemeClr val="bg1"/>
+                </a:solidFill>
+              </a:rPr>
+              <a:t>200nm</a:t>
+            </a:r>
+          </a:p>
+        </p:txBody>
+      </p:sp>
+      <p:sp>
+        <p:nvSpPr>
+          <p:cNvPr id="46" name="Rounded Rectangle 45"/>
+          <p:cNvSpPr/>
+          <p:nvPr/>
+        </p:nvSpPr>
+        <p:spPr>
+          <a:xfrm>
+            <a:off x="5335590" y="972579"/>
+            <a:ext cx="764733" cy="246743"/>
+          </a:xfrm>
+          <a:prstGeom prst="roundRect">
+            <a:avLst/>
+          </a:prstGeom>
+          <a:noFill/>
+          <a:ln w="38100">
+            <a:solidFill>
+              <a:schemeClr val="tx1"/>
+            </a:solidFill>
+            <a:prstDash val="sysDash"/>
+          </a:ln>
+        </p:spPr>
+        <p:style>
+          <a:lnRef idx="2">
+            <a:schemeClr val="accent1">
+              <a:shade val="50000"/>
+            </a:schemeClr>
+          </a:lnRef>
+          <a:fillRef idx="1">
+            <a:schemeClr val="accent1"/>
+          </a:fillRef>
+          <a:effectRef idx="0">
+            <a:schemeClr val="accent1"/>
+          </a:effectRef>
+          <a:fontRef idx="minor">
+            <a:schemeClr val="lt1"/>
+          </a:fontRef>
+        </p:style>
+        <p:txBody>
+          <a:bodyPr rtlCol="0" anchor="ctr"/>
+          <a:lstStyle/>
+          <a:p>
+            <a:pPr algn="ctr"/>
+            <a:endParaRPr lang="en-AU"/>
+          </a:p>
+        </p:txBody>
+      </p:sp>
+      <p:sp>
+        <p:nvSpPr>
+          <p:cNvPr id="47" name="TextBox 46"/>
+          <p:cNvSpPr txBox="1"/>
+          <p:nvPr/>
+        </p:nvSpPr>
+        <p:spPr>
+          <a:xfrm>
+            <a:off x="6169246" y="895307"/>
+            <a:ext cx="2907303" cy="400110"/>
+          </a:xfrm>
+          <a:prstGeom prst="rect">
+            <a:avLst/>
+          </a:prstGeom>
+          <a:noFill/>
+        </p:spPr>
+        <p:txBody>
+          <a:bodyPr wrap="square" rtlCol="0">
+            <a:spAutoFit/>
+          </a:bodyPr>
+          <a:lstStyle/>
+          <a:p>
+            <a:r>
+              <a:rPr lang="en-AU" sz="2000" dirty="0" smtClean="0"/>
+              <a:t>Implanted donors</a:t>
+            </a:r>
+            <a:endParaRPr lang="en-AU" sz="2000" dirty="0"/>
+          </a:p>
+        </p:txBody>
+      </p:sp>
+      <p:sp>
+        <p:nvSpPr>
+          <p:cNvPr id="49" name="Rounded Rectangle 48"/>
+          <p:cNvSpPr/>
+          <p:nvPr/>
+        </p:nvSpPr>
+        <p:spPr>
+          <a:xfrm>
+            <a:off x="839746" y="963785"/>
+            <a:ext cx="764733" cy="246743"/>
+          </a:xfrm>
+          <a:prstGeom prst="roundRect">
+            <a:avLst/>
+          </a:prstGeom>
+          <a:solidFill>
+            <a:schemeClr val="bg1">
+              <a:lumMod val="65000"/>
+            </a:schemeClr>
+          </a:solidFill>
+          <a:ln>
+            <a:noFill/>
+          </a:ln>
+        </p:spPr>
+        <p:style>
+          <a:lnRef idx="2">
+            <a:schemeClr val="accent1">
+              <a:shade val="50000"/>
+            </a:schemeClr>
+          </a:lnRef>
+          <a:fillRef idx="1">
+            <a:schemeClr val="accent1"/>
+          </a:fillRef>
+          <a:effectRef idx="0">
+            <a:schemeClr val="accent1"/>
+          </a:effectRef>
+          <a:fontRef idx="minor">
+            <a:schemeClr val="lt1"/>
+          </a:fontRef>
+        </p:style>
+        <p:txBody>
+          <a:bodyPr rtlCol="0" anchor="ctr"/>
+          <a:lstStyle/>
+          <a:p>
+            <a:pPr algn="ctr"/>
+            <a:endParaRPr lang="en-AU"/>
+          </a:p>
+        </p:txBody>
+      </p:sp>
+      <p:sp>
+        <p:nvSpPr>
+          <p:cNvPr id="50" name="Rounded Rectangle 49"/>
+          <p:cNvSpPr/>
+          <p:nvPr/>
+        </p:nvSpPr>
+        <p:spPr>
+          <a:xfrm>
+            <a:off x="1209861" y="223063"/>
+            <a:ext cx="389389" cy="309870"/>
+          </a:xfrm>
+          <a:prstGeom prst="roundRect">
+            <a:avLst/>
+          </a:prstGeom>
+          <a:solidFill>
+            <a:srgbClr val="FFC080"/>
+          </a:solidFill>
+          <a:ln>
+            <a:noFill/>
+          </a:ln>
+        </p:spPr>
+        <p:style>
+          <a:lnRef idx="2">
+            <a:schemeClr val="accent1">
+              <a:shade val="50000"/>
+            </a:schemeClr>
+          </a:lnRef>
+          <a:fillRef idx="1">
+            <a:schemeClr val="accent1"/>
+          </a:fillRef>
+          <a:effectRef idx="0">
+            <a:schemeClr val="accent1"/>
+          </a:effectRef>
+          <a:fontRef idx="minor">
+            <a:schemeClr val="lt1"/>
+          </a:fontRef>
+        </p:style>
+        <p:txBody>
+          <a:bodyPr rtlCol="0" anchor="ctr"/>
+          <a:lstStyle/>
+          <a:p>
+            <a:pPr algn="ctr"/>
+            <a:endParaRPr lang="en-AU"/>
+          </a:p>
+        </p:txBody>
+      </p:sp>
+      <p:sp>
+        <p:nvSpPr>
+          <p:cNvPr id="2" name="TextBox 1"/>
+          <p:cNvSpPr txBox="1"/>
+          <p:nvPr/>
+        </p:nvSpPr>
+        <p:spPr>
+          <a:xfrm>
+            <a:off x="2053895" y="1348061"/>
+            <a:ext cx="555111" cy="400110"/>
+          </a:xfrm>
+          <a:prstGeom prst="rect">
+            <a:avLst/>
+          </a:prstGeom>
+          <a:noFill/>
+        </p:spPr>
+        <p:txBody>
+          <a:bodyPr wrap="square" rtlCol="0">
+            <a:spAutoFit/>
+          </a:bodyPr>
+          <a:lstStyle/>
+          <a:p>
+            <a:r>
+              <a:rPr lang="en-AU" sz="2000" b="1" dirty="0" smtClean="0"/>
+              <a:t>DG</a:t>
+            </a:r>
+            <a:endParaRPr lang="en-AU" sz="2000" b="1" dirty="0"/>
+          </a:p>
+        </p:txBody>
+      </p:sp>
+      <p:sp>
+        <p:nvSpPr>
+          <p:cNvPr id="52" name="TextBox 51"/>
+          <p:cNvSpPr txBox="1"/>
+          <p:nvPr/>
+        </p:nvSpPr>
+        <p:spPr>
+          <a:xfrm>
+            <a:off x="861086" y="1369182"/>
+            <a:ext cx="555111" cy="400110"/>
+          </a:xfrm>
+          <a:prstGeom prst="rect">
+            <a:avLst/>
+          </a:prstGeom>
+          <a:noFill/>
+        </p:spPr>
+        <p:txBody>
+          <a:bodyPr wrap="square" rtlCol="0">
+            <a:spAutoFit/>
+          </a:bodyPr>
+          <a:lstStyle/>
+          <a:p>
+            <a:r>
+              <a:rPr lang="en-AU" sz="2000" b="1" dirty="0" smtClean="0"/>
+              <a:t>R</a:t>
+            </a:r>
+            <a:r>
+              <a:rPr lang="en-AU" sz="2000" b="1" dirty="0"/>
+              <a:t>S</a:t>
+            </a:r>
+          </a:p>
+        </p:txBody>
+      </p:sp>
+      <p:sp>
+        <p:nvSpPr>
+          <p:cNvPr id="53" name="TextBox 52"/>
+          <p:cNvSpPr txBox="1"/>
+          <p:nvPr/>
+        </p:nvSpPr>
+        <p:spPr>
+          <a:xfrm>
+            <a:off x="724269" y="2071402"/>
+            <a:ext cx="555111" cy="400110"/>
+          </a:xfrm>
+          <a:prstGeom prst="rect">
+            <a:avLst/>
+          </a:prstGeom>
+          <a:noFill/>
+        </p:spPr>
+        <p:txBody>
+          <a:bodyPr wrap="square" rtlCol="0">
+            <a:spAutoFit/>
+          </a:bodyPr>
+          <a:lstStyle/>
+          <a:p>
+            <a:r>
+              <a:rPr lang="en-AU" sz="2000" b="1" dirty="0"/>
+              <a:t>T</a:t>
+            </a:r>
+            <a:r>
+              <a:rPr lang="en-AU" sz="2000" b="1" dirty="0" smtClean="0"/>
+              <a:t>G</a:t>
+            </a:r>
+            <a:endParaRPr lang="en-AU" sz="2000" b="1" dirty="0"/>
+          </a:p>
+        </p:txBody>
+      </p:sp>
+      <p:sp>
+        <p:nvSpPr>
+          <p:cNvPr id="54" name="TextBox 53"/>
+          <p:cNvSpPr txBox="1"/>
+          <p:nvPr/>
+        </p:nvSpPr>
+        <p:spPr>
+          <a:xfrm>
+            <a:off x="746058" y="2623366"/>
+            <a:ext cx="555111" cy="400110"/>
+          </a:xfrm>
+          <a:prstGeom prst="rect">
+            <a:avLst/>
+          </a:prstGeom>
+          <a:noFill/>
+        </p:spPr>
+        <p:txBody>
+          <a:bodyPr wrap="square" rtlCol="0">
+            <a:spAutoFit/>
+          </a:bodyPr>
+          <a:lstStyle/>
+          <a:p>
+            <a:r>
+              <a:rPr lang="en-AU" sz="2000" b="1" dirty="0" smtClean="0"/>
+              <a:t>RB</a:t>
+            </a:r>
+            <a:endParaRPr lang="en-AU" sz="2000" b="1" dirty="0"/>
+          </a:p>
+        </p:txBody>
+      </p:sp>
+      <p:sp>
+        <p:nvSpPr>
+          <p:cNvPr id="55" name="TextBox 54"/>
+          <p:cNvSpPr txBox="1"/>
+          <p:nvPr/>
+        </p:nvSpPr>
+        <p:spPr>
+          <a:xfrm>
+            <a:off x="760572" y="3087735"/>
+            <a:ext cx="555111" cy="400110"/>
+          </a:xfrm>
+          <a:prstGeom prst="rect">
+            <a:avLst/>
+          </a:prstGeom>
+          <a:noFill/>
+        </p:spPr>
+        <p:txBody>
+          <a:bodyPr wrap="square" rtlCol="0">
+            <a:spAutoFit/>
+          </a:bodyPr>
+          <a:lstStyle/>
+          <a:p>
+            <a:r>
+              <a:rPr lang="en-AU" sz="2000" b="1" dirty="0" smtClean="0"/>
+              <a:t>LB</a:t>
+            </a:r>
+            <a:endParaRPr lang="en-AU" sz="2000" b="1" dirty="0"/>
+          </a:p>
+        </p:txBody>
+      </p:sp>
+      <p:sp>
+        <p:nvSpPr>
+          <p:cNvPr id="56" name="TextBox 55"/>
+          <p:cNvSpPr txBox="1"/>
+          <p:nvPr/>
+        </p:nvSpPr>
+        <p:spPr>
+          <a:xfrm>
+            <a:off x="788701" y="3677495"/>
+            <a:ext cx="555111" cy="400110"/>
+          </a:xfrm>
+          <a:prstGeom prst="rect">
+            <a:avLst/>
+          </a:prstGeom>
+          <a:noFill/>
+        </p:spPr>
+        <p:txBody>
+          <a:bodyPr wrap="square" rtlCol="0">
+            <a:spAutoFit/>
+          </a:bodyPr>
+          <a:lstStyle/>
+          <a:p>
+            <a:r>
+              <a:rPr lang="en-AU" sz="2000" b="1" dirty="0" smtClean="0"/>
+              <a:t>RG</a:t>
+            </a:r>
+            <a:endParaRPr lang="en-AU" sz="2000" b="1" dirty="0"/>
+          </a:p>
+        </p:txBody>
+      </p:sp>
+      <p:sp>
+        <p:nvSpPr>
+          <p:cNvPr id="57" name="TextBox 56"/>
+          <p:cNvSpPr txBox="1"/>
+          <p:nvPr/>
+        </p:nvSpPr>
+        <p:spPr>
+          <a:xfrm>
+            <a:off x="2389070" y="4572467"/>
+            <a:ext cx="706070" cy="400110"/>
+          </a:xfrm>
+          <a:prstGeom prst="rect">
+            <a:avLst/>
+          </a:prstGeom>
+          <a:noFill/>
+        </p:spPr>
+        <p:txBody>
+          <a:bodyPr wrap="square" rtlCol="0">
+            <a:spAutoFit/>
+          </a:bodyPr>
+          <a:lstStyle/>
+          <a:p>
+            <a:r>
+              <a:rPr lang="en-AU" sz="2000" b="1" dirty="0" smtClean="0"/>
+              <a:t>MW</a:t>
+            </a:r>
+            <a:endParaRPr lang="en-AU" sz="2000" b="1" dirty="0"/>
+          </a:p>
+        </p:txBody>
+      </p:sp>
+      <p:sp>
+        <p:nvSpPr>
+          <p:cNvPr id="59" name="TextBox 58"/>
+          <p:cNvSpPr txBox="1"/>
+          <p:nvPr/>
+        </p:nvSpPr>
+        <p:spPr>
+          <a:xfrm>
+            <a:off x="1392013" y="5056875"/>
+            <a:ext cx="501034" cy="400110"/>
+          </a:xfrm>
+          <a:prstGeom prst="rect">
+            <a:avLst/>
+          </a:prstGeom>
+          <a:noFill/>
+        </p:spPr>
+        <p:txBody>
+          <a:bodyPr wrap="square" rtlCol="0">
+            <a:spAutoFit/>
+          </a:bodyPr>
+          <a:lstStyle/>
+          <a:p>
+            <a:r>
+              <a:rPr lang="en-AU" sz="2000" b="1" dirty="0" smtClean="0"/>
+              <a:t>R</a:t>
+            </a:r>
+            <a:r>
+              <a:rPr lang="en-AU" sz="2000" b="1" dirty="0"/>
+              <a:t>S</a:t>
+            </a:r>
+          </a:p>
+        </p:txBody>
+      </p:sp>
+      <p:sp>
+        <p:nvSpPr>
+          <p:cNvPr id="60" name="TextBox 59"/>
+          <p:cNvSpPr txBox="1"/>
+          <p:nvPr/>
+        </p:nvSpPr>
+        <p:spPr>
+          <a:xfrm>
+            <a:off x="757241" y="5950877"/>
+            <a:ext cx="555111" cy="400110"/>
+          </a:xfrm>
+          <a:prstGeom prst="rect">
+            <a:avLst/>
+          </a:prstGeom>
+          <a:noFill/>
+        </p:spPr>
+        <p:txBody>
+          <a:bodyPr wrap="square" rtlCol="0">
+            <a:spAutoFit/>
+          </a:bodyPr>
+          <a:lstStyle/>
+          <a:p>
+            <a:r>
+              <a:rPr lang="en-AU" sz="2000" b="1" dirty="0"/>
+              <a:t>T</a:t>
+            </a:r>
+            <a:r>
+              <a:rPr lang="en-AU" sz="2000" b="1" dirty="0" smtClean="0"/>
+              <a:t>G</a:t>
+            </a:r>
+            <a:endParaRPr lang="en-AU" sz="2000" b="1" dirty="0"/>
+          </a:p>
+        </p:txBody>
+      </p:sp>
+      <p:sp>
+        <p:nvSpPr>
+          <p:cNvPr id="61" name="TextBox 60"/>
+          <p:cNvSpPr txBox="1"/>
+          <p:nvPr/>
+        </p:nvSpPr>
+        <p:spPr>
+          <a:xfrm>
+            <a:off x="780929" y="6422271"/>
+            <a:ext cx="555111" cy="400110"/>
+          </a:xfrm>
+          <a:prstGeom prst="rect">
+            <a:avLst/>
+          </a:prstGeom>
+          <a:noFill/>
+        </p:spPr>
+        <p:txBody>
+          <a:bodyPr wrap="square" rtlCol="0">
+            <a:spAutoFit/>
+          </a:bodyPr>
+          <a:lstStyle/>
+          <a:p>
+            <a:r>
+              <a:rPr lang="en-AU" sz="2000" b="1" dirty="0" smtClean="0"/>
+              <a:t>RB</a:t>
+            </a:r>
+            <a:endParaRPr lang="en-AU" sz="2000" b="1" dirty="0"/>
+          </a:p>
+        </p:txBody>
+      </p:sp>
+      <p:sp>
+        <p:nvSpPr>
+          <p:cNvPr id="62" name="TextBox 61"/>
+          <p:cNvSpPr txBox="1"/>
+          <p:nvPr/>
+        </p:nvSpPr>
+        <p:spPr>
+          <a:xfrm>
+            <a:off x="774513" y="7091781"/>
+            <a:ext cx="555111" cy="400110"/>
+          </a:xfrm>
+          <a:prstGeom prst="rect">
+            <a:avLst/>
+          </a:prstGeom>
+          <a:noFill/>
+        </p:spPr>
+        <p:txBody>
+          <a:bodyPr wrap="square" rtlCol="0">
+            <a:spAutoFit/>
+          </a:bodyPr>
+          <a:lstStyle/>
+          <a:p>
+            <a:r>
+              <a:rPr lang="en-AU" sz="2000" b="1" dirty="0" smtClean="0"/>
+              <a:t>LB</a:t>
+            </a:r>
+            <a:endParaRPr lang="en-AU" sz="2000" b="1" dirty="0"/>
+          </a:p>
+        </p:txBody>
+      </p:sp>
+      <p:sp>
+        <p:nvSpPr>
+          <p:cNvPr id="63" name="TextBox 62"/>
+          <p:cNvSpPr txBox="1"/>
+          <p:nvPr/>
+        </p:nvSpPr>
+        <p:spPr>
+          <a:xfrm>
+            <a:off x="777721" y="6756256"/>
+            <a:ext cx="555111" cy="400110"/>
+          </a:xfrm>
+          <a:prstGeom prst="rect">
+            <a:avLst/>
+          </a:prstGeom>
+          <a:noFill/>
+        </p:spPr>
+        <p:txBody>
+          <a:bodyPr wrap="square" rtlCol="0">
+            <a:spAutoFit/>
+          </a:bodyPr>
+          <a:lstStyle/>
+          <a:p>
+            <a:r>
+              <a:rPr lang="en-AU" sz="2000" b="1" dirty="0" smtClean="0"/>
+              <a:t>PL</a:t>
+            </a:r>
+            <a:endParaRPr lang="en-AU" sz="2000" b="1" dirty="0"/>
+          </a:p>
+        </p:txBody>
+      </p:sp>
+      <p:sp>
+        <p:nvSpPr>
+          <p:cNvPr id="64" name="TextBox 63"/>
+          <p:cNvSpPr txBox="1"/>
+          <p:nvPr/>
+        </p:nvSpPr>
+        <p:spPr>
+          <a:xfrm>
+            <a:off x="2290140" y="5071668"/>
+            <a:ext cx="555111" cy="400110"/>
+          </a:xfrm>
+          <a:prstGeom prst="rect">
+            <a:avLst/>
+          </a:prstGeom>
+          <a:noFill/>
+        </p:spPr>
+        <p:txBody>
+          <a:bodyPr wrap="square" rtlCol="0">
+            <a:spAutoFit/>
+          </a:bodyPr>
+          <a:lstStyle/>
+          <a:p>
+            <a:r>
+              <a:rPr lang="en-AU" sz="2000" b="1" dirty="0" smtClean="0"/>
+              <a:t>DG</a:t>
+            </a:r>
+            <a:endParaRPr lang="en-AU" sz="2000" b="1" dirty="0"/>
+          </a:p>
+        </p:txBody>
+      </p:sp>
+      <p:sp>
+        <p:nvSpPr>
+          <p:cNvPr id="65" name="TextBox 64"/>
+          <p:cNvSpPr txBox="1"/>
+          <p:nvPr/>
+        </p:nvSpPr>
+        <p:spPr>
+          <a:xfrm>
+            <a:off x="771400" y="5301889"/>
+            <a:ext cx="607859" cy="400110"/>
+          </a:xfrm>
+          <a:prstGeom prst="rect">
+            <a:avLst/>
+          </a:prstGeom>
+          <a:noFill/>
+        </p:spPr>
+        <p:txBody>
+          <a:bodyPr wrap="square" rtlCol="0">
+            <a:spAutoFit/>
+          </a:bodyPr>
+          <a:lstStyle/>
+          <a:p>
+            <a:r>
+              <a:rPr lang="en-AU" sz="2000" b="1" dirty="0" smtClean="0"/>
+              <a:t>RTC</a:t>
+            </a:r>
+            <a:endParaRPr lang="en-AU" sz="2000" b="1" dirty="0"/>
+          </a:p>
+        </p:txBody>
+      </p:sp>
+      <p:sp>
+        <p:nvSpPr>
+          <p:cNvPr id="66" name="TextBox 65"/>
+          <p:cNvSpPr txBox="1"/>
+          <p:nvPr/>
+        </p:nvSpPr>
+        <p:spPr>
+          <a:xfrm>
+            <a:off x="2567695" y="7990814"/>
+            <a:ext cx="706070" cy="400110"/>
+          </a:xfrm>
+          <a:prstGeom prst="rect">
+            <a:avLst/>
+          </a:prstGeom>
+          <a:noFill/>
+        </p:spPr>
+        <p:txBody>
+          <a:bodyPr wrap="square" rtlCol="0">
+            <a:spAutoFit/>
+          </a:bodyPr>
+          <a:lstStyle/>
+          <a:p>
+            <a:r>
+              <a:rPr lang="en-AU" sz="2000" b="1" dirty="0" smtClean="0"/>
+              <a:t>MW</a:t>
+            </a:r>
+            <a:endParaRPr lang="en-AU" sz="2000" b="1" dirty="0"/>
+          </a:p>
+        </p:txBody>
+      </p:sp>
+      <p:sp>
+        <p:nvSpPr>
+          <p:cNvPr id="67" name="TextBox 66"/>
+          <p:cNvSpPr txBox="1"/>
+          <p:nvPr/>
+        </p:nvSpPr>
+        <p:spPr>
+          <a:xfrm>
+            <a:off x="3235840" y="8650612"/>
+            <a:ext cx="501034" cy="400110"/>
+          </a:xfrm>
+          <a:prstGeom prst="rect">
+            <a:avLst/>
+          </a:prstGeom>
+          <a:noFill/>
+        </p:spPr>
+        <p:txBody>
+          <a:bodyPr wrap="square" rtlCol="0">
+            <a:spAutoFit/>
+          </a:bodyPr>
+          <a:lstStyle/>
+          <a:p>
+            <a:r>
+              <a:rPr lang="en-AU" sz="2000" b="1" dirty="0" smtClean="0"/>
+              <a:t>R</a:t>
+            </a:r>
+            <a:r>
+              <a:rPr lang="en-AU" sz="2000" b="1" dirty="0"/>
+              <a:t>S</a:t>
+            </a:r>
+          </a:p>
+        </p:txBody>
+      </p:sp>
+      <p:sp>
+        <p:nvSpPr>
+          <p:cNvPr id="68" name="TextBox 67"/>
+          <p:cNvSpPr txBox="1"/>
+          <p:nvPr/>
+        </p:nvSpPr>
+        <p:spPr>
+          <a:xfrm>
+            <a:off x="4107200" y="8785153"/>
+            <a:ext cx="555111" cy="400110"/>
+          </a:xfrm>
+          <a:prstGeom prst="rect">
+            <a:avLst/>
+          </a:prstGeom>
+          <a:noFill/>
+        </p:spPr>
+        <p:txBody>
+          <a:bodyPr wrap="square" rtlCol="0">
+            <a:spAutoFit/>
+          </a:bodyPr>
+          <a:lstStyle/>
+          <a:p>
+            <a:r>
+              <a:rPr lang="en-AU" sz="2000" b="1" dirty="0"/>
+              <a:t>T</a:t>
+            </a:r>
+            <a:r>
+              <a:rPr lang="en-AU" sz="2000" b="1" dirty="0" smtClean="0"/>
+              <a:t>G</a:t>
+            </a:r>
+            <a:endParaRPr lang="en-AU" sz="2000" b="1" dirty="0"/>
+          </a:p>
+        </p:txBody>
+      </p:sp>
+      <p:sp>
+        <p:nvSpPr>
+          <p:cNvPr id="69" name="TextBox 68"/>
+          <p:cNvSpPr txBox="1"/>
+          <p:nvPr/>
+        </p:nvSpPr>
+        <p:spPr>
+          <a:xfrm>
+            <a:off x="4381510" y="9594356"/>
+            <a:ext cx="555111" cy="400110"/>
+          </a:xfrm>
+          <a:prstGeom prst="rect">
+            <a:avLst/>
+          </a:prstGeom>
+          <a:noFill/>
+        </p:spPr>
+        <p:txBody>
+          <a:bodyPr wrap="square" rtlCol="0">
+            <a:spAutoFit/>
+          </a:bodyPr>
+          <a:lstStyle/>
+          <a:p>
+            <a:r>
+              <a:rPr lang="en-AU" sz="2000" b="1" dirty="0" smtClean="0"/>
+              <a:t>RB</a:t>
+            </a:r>
+            <a:endParaRPr lang="en-AU" sz="2000" b="1" dirty="0"/>
+          </a:p>
+        </p:txBody>
+      </p:sp>
+      <p:sp>
+        <p:nvSpPr>
+          <p:cNvPr id="70" name="TextBox 69"/>
+          <p:cNvSpPr txBox="1"/>
+          <p:nvPr/>
+        </p:nvSpPr>
+        <p:spPr>
+          <a:xfrm>
+            <a:off x="4397391" y="10772139"/>
+            <a:ext cx="555111" cy="400110"/>
+          </a:xfrm>
+          <a:prstGeom prst="rect">
+            <a:avLst/>
+          </a:prstGeom>
+          <a:noFill/>
+        </p:spPr>
+        <p:txBody>
+          <a:bodyPr wrap="square" rtlCol="0">
+            <a:spAutoFit/>
+          </a:bodyPr>
+          <a:lstStyle/>
+          <a:p>
+            <a:r>
+              <a:rPr lang="en-AU" sz="2000" b="1" dirty="0" smtClean="0"/>
+              <a:t>LB</a:t>
+            </a:r>
+            <a:endParaRPr lang="en-AU" sz="2000" b="1" dirty="0"/>
+          </a:p>
+        </p:txBody>
+      </p:sp>
+      <p:sp>
+        <p:nvSpPr>
+          <p:cNvPr id="71" name="TextBox 70"/>
+          <p:cNvSpPr txBox="1"/>
+          <p:nvPr/>
+        </p:nvSpPr>
+        <p:spPr>
+          <a:xfrm>
+            <a:off x="4425958" y="10271655"/>
+            <a:ext cx="555111" cy="400110"/>
+          </a:xfrm>
+          <a:prstGeom prst="rect">
+            <a:avLst/>
+          </a:prstGeom>
+          <a:noFill/>
+        </p:spPr>
+        <p:txBody>
+          <a:bodyPr wrap="square" rtlCol="0">
+            <a:spAutoFit/>
+          </a:bodyPr>
+          <a:lstStyle/>
+          <a:p>
+            <a:r>
+              <a:rPr lang="en-AU" sz="2000" b="1" dirty="0" smtClean="0"/>
+              <a:t>PL</a:t>
+            </a:r>
+            <a:endParaRPr lang="en-AU" sz="2000" b="1" dirty="0"/>
+          </a:p>
+        </p:txBody>
+      </p:sp>
+      <p:sp>
+        <p:nvSpPr>
+          <p:cNvPr id="72" name="TextBox 71"/>
+          <p:cNvSpPr txBox="1"/>
+          <p:nvPr/>
+        </p:nvSpPr>
+        <p:spPr>
+          <a:xfrm>
+            <a:off x="2540029" y="8507964"/>
+            <a:ext cx="555111" cy="400110"/>
+          </a:xfrm>
+          <a:prstGeom prst="rect">
+            <a:avLst/>
+          </a:prstGeom>
+          <a:noFill/>
+        </p:spPr>
+        <p:txBody>
+          <a:bodyPr wrap="square" rtlCol="0">
+            <a:spAutoFit/>
+          </a:bodyPr>
+          <a:lstStyle/>
+          <a:p>
+            <a:r>
+              <a:rPr lang="en-AU" sz="2000" b="1" dirty="0" smtClean="0"/>
+              <a:t>DG</a:t>
+            </a:r>
+            <a:endParaRPr lang="en-AU" sz="2000" b="1" dirty="0"/>
+          </a:p>
+        </p:txBody>
+      </p:sp>
+      <p:sp>
+        <p:nvSpPr>
+          <p:cNvPr id="73" name="TextBox 72"/>
+          <p:cNvSpPr txBox="1"/>
+          <p:nvPr/>
+        </p:nvSpPr>
+        <p:spPr>
+          <a:xfrm>
+            <a:off x="1699125" y="8765115"/>
+            <a:ext cx="712481" cy="400110"/>
+          </a:xfrm>
+          <a:prstGeom prst="rect">
+            <a:avLst/>
+          </a:prstGeom>
+          <a:noFill/>
+        </p:spPr>
+        <p:txBody>
+          <a:bodyPr wrap="square" rtlCol="0">
+            <a:spAutoFit/>
+          </a:bodyPr>
+          <a:lstStyle/>
+          <a:p>
+            <a:r>
+              <a:rPr lang="en-AU" sz="2000" b="1" dirty="0" smtClean="0"/>
+              <a:t>RTC</a:t>
+            </a:r>
+            <a:endParaRPr lang="en-AU" sz="2000" b="1" dirty="0"/>
+          </a:p>
+        </p:txBody>
+      </p:sp>
+      <p:sp>
+        <p:nvSpPr>
+          <p:cNvPr id="74" name="TextBox 73"/>
+          <p:cNvSpPr txBox="1"/>
+          <p:nvPr/>
+        </p:nvSpPr>
+        <p:spPr>
+          <a:xfrm>
+            <a:off x="1877692" y="12036187"/>
+            <a:ext cx="706070" cy="400110"/>
+          </a:xfrm>
+          <a:prstGeom prst="rect">
+            <a:avLst/>
+          </a:prstGeom>
+          <a:noFill/>
+        </p:spPr>
+        <p:txBody>
+          <a:bodyPr wrap="square" rtlCol="0">
+            <a:spAutoFit/>
+          </a:bodyPr>
+          <a:lstStyle/>
+          <a:p>
+            <a:r>
+              <a:rPr lang="en-AU" sz="2000" b="1" dirty="0" smtClean="0"/>
+              <a:t>MW</a:t>
+            </a:r>
+            <a:endParaRPr lang="en-AU" sz="2000" b="1" dirty="0"/>
+          </a:p>
+        </p:txBody>
+      </p:sp>
+      <p:sp>
+        <p:nvSpPr>
+          <p:cNvPr id="75" name="TextBox 74"/>
+          <p:cNvSpPr txBox="1"/>
+          <p:nvPr/>
+        </p:nvSpPr>
+        <p:spPr>
+          <a:xfrm>
+            <a:off x="824149" y="10416134"/>
+            <a:ext cx="555111" cy="400110"/>
+          </a:xfrm>
+          <a:prstGeom prst="rect">
+            <a:avLst/>
+          </a:prstGeom>
+          <a:noFill/>
+        </p:spPr>
+        <p:txBody>
+          <a:bodyPr wrap="square" rtlCol="0">
+            <a:spAutoFit/>
+          </a:bodyPr>
+          <a:lstStyle/>
+          <a:p>
+            <a:r>
+              <a:rPr lang="en-AU" sz="2000" b="1" dirty="0" smtClean="0"/>
+              <a:t>RG</a:t>
+            </a:r>
+            <a:endParaRPr lang="en-AU" sz="2000" b="1" dirty="0"/>
+          </a:p>
+        </p:txBody>
+      </p:sp>
+      <p:sp>
+        <p:nvSpPr>
+          <p:cNvPr id="76" name="TextBox 75"/>
+          <p:cNvSpPr txBox="1"/>
+          <p:nvPr/>
+        </p:nvSpPr>
+        <p:spPr>
+          <a:xfrm>
+            <a:off x="824148" y="11025028"/>
+            <a:ext cx="555111" cy="400110"/>
+          </a:xfrm>
+          <a:prstGeom prst="rect">
+            <a:avLst/>
+          </a:prstGeom>
+          <a:noFill/>
+        </p:spPr>
+        <p:txBody>
+          <a:bodyPr wrap="square" rtlCol="0">
+            <a:spAutoFit/>
+          </a:bodyPr>
+          <a:lstStyle/>
+          <a:p>
+            <a:r>
+              <a:rPr lang="en-AU" sz="2000" b="1" dirty="0" smtClean="0"/>
+              <a:t>LTC</a:t>
+            </a:r>
+            <a:endParaRPr lang="en-AU" sz="2000" b="1" dirty="0"/>
+          </a:p>
+        </p:txBody>
+      </p:sp>
+      <p:sp>
+        <p:nvSpPr>
+          <p:cNvPr id="77" name="TextBox 76"/>
+          <p:cNvSpPr txBox="1"/>
+          <p:nvPr/>
+        </p:nvSpPr>
+        <p:spPr>
+          <a:xfrm>
+            <a:off x="778708" y="9473375"/>
+            <a:ext cx="555111" cy="400110"/>
+          </a:xfrm>
+          <a:prstGeom prst="rect">
+            <a:avLst/>
+          </a:prstGeom>
+          <a:noFill/>
+        </p:spPr>
+        <p:txBody>
+          <a:bodyPr wrap="square" rtlCol="0">
+            <a:spAutoFit/>
+          </a:bodyPr>
+          <a:lstStyle/>
+          <a:p>
+            <a:r>
+              <a:rPr lang="en-AU" sz="2000" b="1" dirty="0" smtClean="0"/>
+              <a:t>RR</a:t>
+            </a:r>
+            <a:endParaRPr lang="en-AU" sz="2000" b="1" dirty="0"/>
           </a:p>
         </p:txBody>
       </p:sp>
